--- a/latex/graphics/init_chart.pptx
+++ b/latex/graphics/init_chart.pptx
@@ -104,6 +104,11 @@
       </a:defRPr>
     </a:lvl9pPr>
   </p:defaultTextStyle>
+  <p:extLst>
+    <p:ext uri="{EFAFB233-063F-42B5-8137-9DF3F51BA10A}">
+      <p15:sldGuideLst xmlns:p15="http://schemas.microsoft.com/office/powerpoint/2012/main"/>
+    </p:ext>
+  </p:extLst>
 </p:presentation>
 </file>
 
@@ -238,7 +243,7 @@
           <a:p>
             <a:fld id="{1D676800-2E8A-4B51-9771-DF92EA39BBAF}" type="datetimeFigureOut">
               <a:rPr lang="de-CH" smtClean="0"/>
-              <a:t>05.01.2017</a:t>
+              <a:t>06.01.2017</a:t>
             </a:fld>
             <a:endParaRPr lang="de-CH"/>
           </a:p>
@@ -408,7 +413,7 @@
           <a:p>
             <a:fld id="{1D676800-2E8A-4B51-9771-DF92EA39BBAF}" type="datetimeFigureOut">
               <a:rPr lang="de-CH" smtClean="0"/>
-              <a:t>05.01.2017</a:t>
+              <a:t>06.01.2017</a:t>
             </a:fld>
             <a:endParaRPr lang="de-CH"/>
           </a:p>
@@ -588,7 +593,7 @@
           <a:p>
             <a:fld id="{1D676800-2E8A-4B51-9771-DF92EA39BBAF}" type="datetimeFigureOut">
               <a:rPr lang="de-CH" smtClean="0"/>
-              <a:t>05.01.2017</a:t>
+              <a:t>06.01.2017</a:t>
             </a:fld>
             <a:endParaRPr lang="de-CH"/>
           </a:p>
@@ -758,7 +763,7 @@
           <a:p>
             <a:fld id="{1D676800-2E8A-4B51-9771-DF92EA39BBAF}" type="datetimeFigureOut">
               <a:rPr lang="de-CH" smtClean="0"/>
-              <a:t>05.01.2017</a:t>
+              <a:t>06.01.2017</a:t>
             </a:fld>
             <a:endParaRPr lang="de-CH"/>
           </a:p>
@@ -1002,7 +1007,7 @@
           <a:p>
             <a:fld id="{1D676800-2E8A-4B51-9771-DF92EA39BBAF}" type="datetimeFigureOut">
               <a:rPr lang="de-CH" smtClean="0"/>
-              <a:t>05.01.2017</a:t>
+              <a:t>06.01.2017</a:t>
             </a:fld>
             <a:endParaRPr lang="de-CH"/>
           </a:p>
@@ -1234,7 +1239,7 @@
           <a:p>
             <a:fld id="{1D676800-2E8A-4B51-9771-DF92EA39BBAF}" type="datetimeFigureOut">
               <a:rPr lang="de-CH" smtClean="0"/>
-              <a:t>05.01.2017</a:t>
+              <a:t>06.01.2017</a:t>
             </a:fld>
             <a:endParaRPr lang="de-CH"/>
           </a:p>
@@ -1601,7 +1606,7 @@
           <a:p>
             <a:fld id="{1D676800-2E8A-4B51-9771-DF92EA39BBAF}" type="datetimeFigureOut">
               <a:rPr lang="de-CH" smtClean="0"/>
-              <a:t>05.01.2017</a:t>
+              <a:t>06.01.2017</a:t>
             </a:fld>
             <a:endParaRPr lang="de-CH"/>
           </a:p>
@@ -1719,7 +1724,7 @@
           <a:p>
             <a:fld id="{1D676800-2E8A-4B51-9771-DF92EA39BBAF}" type="datetimeFigureOut">
               <a:rPr lang="de-CH" smtClean="0"/>
-              <a:t>05.01.2017</a:t>
+              <a:t>06.01.2017</a:t>
             </a:fld>
             <a:endParaRPr lang="de-CH"/>
           </a:p>
@@ -1814,7 +1819,7 @@
           <a:p>
             <a:fld id="{1D676800-2E8A-4B51-9771-DF92EA39BBAF}" type="datetimeFigureOut">
               <a:rPr lang="de-CH" smtClean="0"/>
-              <a:t>05.01.2017</a:t>
+              <a:t>06.01.2017</a:t>
             </a:fld>
             <a:endParaRPr lang="de-CH"/>
           </a:p>
@@ -2091,7 +2096,7 @@
           <a:p>
             <a:fld id="{1D676800-2E8A-4B51-9771-DF92EA39BBAF}" type="datetimeFigureOut">
               <a:rPr lang="de-CH" smtClean="0"/>
-              <a:t>05.01.2017</a:t>
+              <a:t>06.01.2017</a:t>
             </a:fld>
             <a:endParaRPr lang="de-CH"/>
           </a:p>
@@ -2348,7 +2353,7 @@
           <a:p>
             <a:fld id="{1D676800-2E8A-4B51-9771-DF92EA39BBAF}" type="datetimeFigureOut">
               <a:rPr lang="de-CH" smtClean="0"/>
-              <a:t>05.01.2017</a:t>
+              <a:t>06.01.2017</a:t>
             </a:fld>
             <a:endParaRPr lang="de-CH"/>
           </a:p>
@@ -2561,7 +2566,7 @@
           <a:p>
             <a:fld id="{1D676800-2E8A-4B51-9771-DF92EA39BBAF}" type="datetimeFigureOut">
               <a:rPr lang="de-CH" smtClean="0"/>
-              <a:t>05.01.2017</a:t>
+              <a:t>06.01.2017</a:t>
             </a:fld>
             <a:endParaRPr lang="de-CH"/>
           </a:p>
@@ -2952,6 +2957,16 @@
 <file path=ppt/slides/slide1.xml><?xml version="1.0" encoding="utf-8"?>
 <p:sld xmlns:a="http://schemas.openxmlformats.org/drawingml/2006/main" xmlns:r="http://schemas.openxmlformats.org/officeDocument/2006/relationships" xmlns:p="http://schemas.openxmlformats.org/presentationml/2006/main">
   <p:cSld>
+    <p:bg>
+      <p:bgPr>
+        <a:solidFill>
+          <a:schemeClr val="bg1">
+            <a:alpha val="0"/>
+          </a:schemeClr>
+        </a:solidFill>
+        <a:effectLst/>
+      </p:bgPr>
+    </p:bg>
     <p:spTree>
       <p:nvGrpSpPr>
         <p:cNvPr id="1" name=""/>
@@ -2974,7 +2989,7 @@
         </p:nvSpPr>
         <p:spPr>
           <a:xfrm>
-            <a:off x="1622247" y="2278621"/>
+            <a:off x="2598641" y="1410716"/>
             <a:ext cx="2084926" cy="323350"/>
           </a:xfrm>
           <a:prstGeom prst="rect">
@@ -3045,7 +3060,7 @@
         </p:nvSpPr>
         <p:spPr>
           <a:xfrm>
-            <a:off x="1622247" y="3242108"/>
+            <a:off x="2598641" y="2374203"/>
             <a:ext cx="2084926" cy="323350"/>
           </a:xfrm>
           <a:prstGeom prst="rect">
@@ -3116,7 +3131,7 @@
         </p:nvSpPr>
         <p:spPr>
           <a:xfrm>
-            <a:off x="1622247" y="4205591"/>
+            <a:off x="2598641" y="3337686"/>
             <a:ext cx="2084926" cy="323350"/>
           </a:xfrm>
           <a:prstGeom prst="rect">
@@ -3187,7 +3202,7 @@
         </p:nvSpPr>
         <p:spPr>
           <a:xfrm>
-            <a:off x="1622247" y="5169076"/>
+            <a:off x="2598641" y="4301171"/>
             <a:ext cx="2084926" cy="323350"/>
           </a:xfrm>
           <a:prstGeom prst="rect">
@@ -3258,7 +3273,7 @@
         </p:nvSpPr>
         <p:spPr>
           <a:xfrm>
-            <a:off x="1622247" y="6132561"/>
+            <a:off x="2598641" y="5264656"/>
             <a:ext cx="2084926" cy="323350"/>
           </a:xfrm>
           <a:prstGeom prst="rect">
@@ -3329,7 +3344,7 @@
         </p:nvCxnSpPr>
         <p:spPr>
           <a:xfrm>
-            <a:off x="2242444" y="1368829"/>
+            <a:off x="3218838" y="500924"/>
             <a:ext cx="0" cy="909792"/>
           </a:xfrm>
           <a:prstGeom prst="straightConnector1">
@@ -3365,7 +3380,7 @@
         </p:nvCxnSpPr>
         <p:spPr>
           <a:xfrm>
-            <a:off x="3131659" y="1368829"/>
+            <a:off x="4108053" y="500924"/>
             <a:ext cx="0" cy="909792"/>
           </a:xfrm>
           <a:prstGeom prst="straightConnector1">
@@ -3401,7 +3416,7 @@
         </p:nvSpPr>
         <p:spPr>
           <a:xfrm>
-            <a:off x="517470" y="1658218"/>
+            <a:off x="1493864" y="790313"/>
             <a:ext cx="1742528" cy="292388"/>
           </a:xfrm>
           <a:prstGeom prst="rect">
@@ -3431,8 +3446,8 @@
         </p:nvSpPr>
         <p:spPr>
           <a:xfrm>
-            <a:off x="3149212" y="1658218"/>
-            <a:ext cx="3755580" cy="292388"/>
+            <a:off x="4125606" y="790313"/>
+            <a:ext cx="2534412" cy="292388"/>
           </a:xfrm>
           <a:prstGeom prst="rect">
             <a:avLst/>
@@ -3450,32 +3465,28 @@
               <a:t>Transformation </a:t>
             </a:r>
             <a:r>
+              <a:rPr lang="de-CH" sz="1300" dirty="0" smtClean="0"/>
+              <a:t>World </a:t>
+            </a:r>
+            <a:r>
+              <a:rPr lang="de-CH" sz="1300" dirty="0" err="1" smtClean="0"/>
+              <a:t>to</a:t>
+            </a:r>
+            <a:r>
+              <a:rPr lang="de-CH" sz="1300" dirty="0" smtClean="0"/>
+              <a:t> </a:t>
+            </a:r>
+            <a:r>
               <a:rPr lang="de-CH" sz="1300" dirty="0" err="1"/>
-              <a:t>from</a:t>
+              <a:t>Camera</a:t>
             </a:r>
             <a:r>
               <a:rPr lang="de-CH" sz="1300" dirty="0"/>
               <a:t> </a:t>
             </a:r>
             <a:r>
-              <a:rPr lang="de-CH" sz="1300" dirty="0" err="1"/>
-              <a:t>Camera</a:t>
-            </a:r>
-            <a:r>
-              <a:rPr lang="de-CH" sz="1300" dirty="0"/>
-              <a:t> 1 </a:t>
-            </a:r>
-            <a:r>
-              <a:rPr lang="de-CH" sz="1300" dirty="0" err="1"/>
-              <a:t>to</a:t>
-            </a:r>
-            <a:r>
-              <a:rPr lang="de-CH" sz="1300" dirty="0"/>
-              <a:t> World </a:t>
-            </a:r>
-            <a:r>
-              <a:rPr lang="de-CH" sz="1300" dirty="0" err="1"/>
-              <a:t>Coordinates</a:t>
+              <a:rPr lang="de-CH" sz="1300" dirty="0" smtClean="0"/>
+              <a:t>1</a:t>
             </a:r>
             <a:endParaRPr lang="de-CH" sz="1300" dirty="0"/>
           </a:p>
@@ -3492,7 +3503,7 @@
         </p:nvCxnSpPr>
         <p:spPr>
           <a:xfrm>
-            <a:off x="2664710" y="2601972"/>
+            <a:off x="3641104" y="1734067"/>
             <a:ext cx="0" cy="640134"/>
           </a:xfrm>
           <a:prstGeom prst="straightConnector1">
@@ -3528,8 +3539,8 @@
         </p:nvSpPr>
         <p:spPr>
           <a:xfrm>
-            <a:off x="2664711" y="2758610"/>
-            <a:ext cx="1867178" cy="292388"/>
+            <a:off x="3641105" y="1890705"/>
+            <a:ext cx="2511200" cy="292388"/>
           </a:xfrm>
           <a:prstGeom prst="rect">
             <a:avLst/>
@@ -3543,12 +3554,24 @@
           <a:lstStyle/>
           <a:p>
             <a:r>
-              <a:rPr lang="de-CH" sz="1300" dirty="0" err="1"/>
+              <a:rPr lang="de-CH" sz="1300" dirty="0" err="1" smtClean="0"/>
+              <a:t>Matched</a:t>
+            </a:r>
+            <a:r>
+              <a:rPr lang="de-CH" sz="1300" dirty="0" smtClean="0"/>
+              <a:t> </a:t>
+            </a:r>
+            <a:r>
+              <a:rPr lang="de-CH" sz="1300" dirty="0" err="1" smtClean="0"/>
               <a:t>Keypoints</a:t>
             </a:r>
             <a:r>
+              <a:rPr lang="de-CH" sz="1300" dirty="0" smtClean="0"/>
+              <a:t> </a:t>
+            </a:r>
+            <a:r>
               <a:rPr lang="de-CH" sz="1300" dirty="0"/>
-              <a:t> in Image 1 &amp; 2</a:t>
+              <a:t>in Image 1 &amp; 2</a:t>
             </a:r>
           </a:p>
         </p:txBody>
@@ -3561,7 +3584,7 @@
         </p:nvCxnSpPr>
         <p:spPr>
           <a:xfrm>
-            <a:off x="2664710" y="3565460"/>
+            <a:off x="3641104" y="2697555"/>
             <a:ext cx="0" cy="640134"/>
           </a:xfrm>
           <a:prstGeom prst="straightConnector1">
@@ -3597,7 +3620,7 @@
         </p:nvCxnSpPr>
         <p:spPr>
           <a:xfrm>
-            <a:off x="2664710" y="4528943"/>
+            <a:off x="3641104" y="3661038"/>
             <a:ext cx="0" cy="640134"/>
           </a:xfrm>
           <a:prstGeom prst="straightConnector1">
@@ -3633,7 +3656,7 @@
         </p:nvSpPr>
         <p:spPr>
           <a:xfrm>
-            <a:off x="2664713" y="3718813"/>
+            <a:off x="3641107" y="2850908"/>
             <a:ext cx="2419445" cy="292388"/>
           </a:xfrm>
           <a:prstGeom prst="rect">
@@ -3666,7 +3689,7 @@
         </p:nvSpPr>
         <p:spPr>
           <a:xfrm>
-            <a:off x="2734452" y="4679015"/>
+            <a:off x="3710846" y="3811110"/>
             <a:ext cx="1806135" cy="292388"/>
           </a:xfrm>
           <a:prstGeom prst="rect">
@@ -3699,7 +3722,7 @@
         </p:nvCxnSpPr>
         <p:spPr>
           <a:xfrm>
-            <a:off x="2664710" y="5492428"/>
+            <a:off x="3641104" y="4624523"/>
             <a:ext cx="0" cy="640134"/>
           </a:xfrm>
           <a:prstGeom prst="straightConnector1">
@@ -3735,7 +3758,7 @@
         </p:nvSpPr>
         <p:spPr>
           <a:xfrm>
-            <a:off x="2724913" y="5545757"/>
+            <a:off x="3701307" y="4677852"/>
             <a:ext cx="2259914" cy="492443"/>
           </a:xfrm>
           <a:prstGeom prst="rect">
@@ -3778,7 +3801,7 @@
         </p:nvCxnSpPr>
         <p:spPr>
           <a:xfrm>
-            <a:off x="2657128" y="6455911"/>
+            <a:off x="3633522" y="5588006"/>
             <a:ext cx="7583" cy="1042380"/>
           </a:xfrm>
           <a:prstGeom prst="straightConnector1">
@@ -3814,8 +3837,8 @@
         </p:nvSpPr>
         <p:spPr>
           <a:xfrm>
-            <a:off x="2734457" y="6609270"/>
-            <a:ext cx="1703287" cy="692497"/>
+            <a:off x="3710851" y="5741365"/>
+            <a:ext cx="2762423" cy="692497"/>
           </a:xfrm>
           <a:prstGeom prst="rect">
             <a:avLst/>
@@ -3829,28 +3852,284 @@
           <a:lstStyle/>
           <a:p>
             <a:r>
-              <a:rPr lang="de-CH" sz="1300" dirty="0"/>
-              <a:t>Transformation Matrix</a:t>
-            </a:r>
-          </a:p>
-          <a:p>
-            <a:r>
-              <a:rPr lang="de-CH" sz="1300" dirty="0"/>
-              <a:t>Landmarks</a:t>
-            </a:r>
+              <a:rPr lang="de-CH" sz="1300" dirty="0" smtClean="0"/>
+              <a:t>Transformation </a:t>
+            </a:r>
+            <a:r>
+              <a:rPr lang="de-CH" sz="1300" dirty="0" err="1" smtClean="0"/>
+              <a:t>Camera</a:t>
+            </a:r>
+            <a:r>
+              <a:rPr lang="de-CH" sz="1300" dirty="0" smtClean="0"/>
+              <a:t> 1 </a:t>
+            </a:r>
+            <a:r>
+              <a:rPr lang="de-CH" sz="1300" dirty="0" err="1" smtClean="0"/>
+              <a:t>to</a:t>
+            </a:r>
+            <a:r>
+              <a:rPr lang="de-CH" sz="1300" dirty="0" smtClean="0"/>
+              <a:t> </a:t>
+            </a:r>
+            <a:r>
+              <a:rPr lang="de-CH" sz="1300" dirty="0" err="1" smtClean="0"/>
+              <a:t>Camera</a:t>
+            </a:r>
+            <a:r>
+              <a:rPr lang="de-CH" sz="1300" dirty="0" smtClean="0"/>
+              <a:t> 2</a:t>
+            </a:r>
+            <a:endParaRPr lang="de-CH" sz="1300" dirty="0"/>
+          </a:p>
+          <a:p>
+            <a:r>
+              <a:rPr lang="de-CH" sz="1300" dirty="0" err="1" smtClean="0"/>
+              <a:t>Initialisation</a:t>
+            </a:r>
+            <a:r>
+              <a:rPr lang="de-CH" sz="1300" dirty="0" smtClean="0"/>
+              <a:t> </a:t>
+            </a:r>
+            <a:r>
+              <a:rPr lang="de-CH" sz="1300" dirty="0" err="1" smtClean="0"/>
+              <a:t>Keypoints</a:t>
+            </a:r>
+            <a:endParaRPr lang="de-CH" sz="1300" dirty="0"/>
           </a:p>
           <a:p>
             <a:r>
               <a:rPr lang="de-CH" sz="1300" dirty="0" err="1"/>
-              <a:t>Matched</a:t>
-            </a:r>
-            <a:r>
-              <a:rPr lang="de-CH" sz="1300" dirty="0"/>
+              <a:t>a</a:t>
+            </a:r>
+            <a:r>
+              <a:rPr lang="de-CH" sz="1300" dirty="0" err="1" smtClean="0"/>
+              <a:t>nd</a:t>
+            </a:r>
+            <a:r>
+              <a:rPr lang="de-CH" sz="1300" dirty="0" smtClean="0"/>
+              <a:t> Landmarks</a:t>
+            </a:r>
+            <a:endParaRPr lang="de-CH" sz="1300" dirty="0"/>
+          </a:p>
+        </p:txBody>
+      </p:sp>
+      <p:sp>
+        <p:nvSpPr>
+          <p:cNvPr id="21" name="Rectangle 20"/>
+          <p:cNvSpPr/>
+          <p:nvPr/>
+        </p:nvSpPr>
+        <p:spPr>
+          <a:xfrm>
+            <a:off x="513715" y="4776851"/>
+            <a:ext cx="2084926" cy="323350"/>
+          </a:xfrm>
+          <a:prstGeom prst="rect">
+            <a:avLst/>
+          </a:prstGeom>
+          <a:noFill/>
+          <a:ln w="12700">
+            <a:solidFill>
+              <a:schemeClr val="tx1"/>
+            </a:solidFill>
+          </a:ln>
+        </p:spPr>
+        <p:style>
+          <a:lnRef idx="2">
+            <a:schemeClr val="accent1">
+              <a:shade val="50000"/>
+            </a:schemeClr>
+          </a:lnRef>
+          <a:fillRef idx="1">
+            <a:schemeClr val="accent1"/>
+          </a:fillRef>
+          <a:effectRef idx="0">
+            <a:schemeClr val="accent1"/>
+          </a:effectRef>
+          <a:fontRef idx="minor">
+            <a:schemeClr val="lt1"/>
+          </a:fontRef>
+        </p:style>
+        <p:txBody>
+          <a:bodyPr rot="0" spcFirstLastPara="0" vertOverflow="overflow" horzOverflow="overflow" vert="horz" wrap="square" lIns="132080" tIns="66041" rIns="132080" bIns="66041" numCol="1" spcCol="0" rtlCol="0" fromWordArt="0" anchor="ctr" anchorCtr="0" forceAA="0" compatLnSpc="1">
+            <a:prstTxWarp prst="textNoShape">
+              <a:avLst/>
+            </a:prstTxWarp>
+            <a:noAutofit/>
+          </a:bodyPr>
+          <a:lstStyle/>
+          <a:p>
+            <a:pPr algn="ctr"/>
+            <a:r>
+              <a:rPr lang="de-CH" sz="1518" dirty="0" err="1" smtClean="0">
+                <a:solidFill>
+                  <a:schemeClr val="tx1"/>
+                </a:solidFill>
+              </a:rPr>
+              <a:t>initKPTrack</a:t>
+            </a:r>
+            <a:r>
+              <a:rPr lang="de-CH" sz="1518" dirty="0" smtClean="0">
+                <a:solidFill>
+                  <a:schemeClr val="tx1"/>
+                </a:solidFill>
+              </a:rPr>
+              <a:t>()</a:t>
+            </a:r>
+            <a:endParaRPr lang="de-CH" sz="2601" dirty="0">
+              <a:solidFill>
+                <a:schemeClr val="tx1"/>
+              </a:solidFill>
+            </a:endParaRPr>
+          </a:p>
+        </p:txBody>
+      </p:sp>
+      <p:cxnSp>
+        <p:nvCxnSpPr>
+          <p:cNvPr id="3" name="Elbow Connector 2"/>
+          <p:cNvCxnSpPr>
+            <a:stCxn id="31" idx="1"/>
+            <a:endCxn id="21" idx="0"/>
+          </p:cNvCxnSpPr>
+          <p:nvPr/>
+        </p:nvCxnSpPr>
+        <p:spPr>
+          <a:xfrm rot="10800000" flipV="1">
+            <a:off x="1556179" y="2036899"/>
+            <a:ext cx="2084927" cy="2739952"/>
+          </a:xfrm>
+          <a:prstGeom prst="bentConnector2">
+            <a:avLst/>
+          </a:prstGeom>
+          <a:ln w="9525">
+            <a:solidFill>
+              <a:schemeClr val="tx1"/>
+            </a:solidFill>
+            <a:tailEnd type="triangle"/>
+          </a:ln>
+        </p:spPr>
+        <p:style>
+          <a:lnRef idx="1">
+            <a:schemeClr val="accent1"/>
+          </a:lnRef>
+          <a:fillRef idx="0">
+            <a:schemeClr val="accent1"/>
+          </a:fillRef>
+          <a:effectRef idx="0">
+            <a:schemeClr val="accent1"/>
+          </a:effectRef>
+          <a:fontRef idx="minor">
+            <a:schemeClr val="tx1"/>
+          </a:fontRef>
+        </p:style>
+      </p:cxnSp>
+      <p:cxnSp>
+        <p:nvCxnSpPr>
+          <p:cNvPr id="26" name="Straight Arrow Connector 25"/>
+          <p:cNvCxnSpPr/>
+          <p:nvPr/>
+        </p:nvCxnSpPr>
+        <p:spPr>
+          <a:xfrm>
+            <a:off x="1544804" y="5045233"/>
+            <a:ext cx="0" cy="1585153"/>
+          </a:xfrm>
+          <a:prstGeom prst="straightConnector1">
+            <a:avLst/>
+          </a:prstGeom>
+          <a:ln w="9525">
+            <a:solidFill>
+              <a:schemeClr val="tx1"/>
+            </a:solidFill>
+            <a:tailEnd type="triangle"/>
+          </a:ln>
+        </p:spPr>
+        <p:style>
+          <a:lnRef idx="1">
+            <a:schemeClr val="accent1"/>
+          </a:lnRef>
+          <a:fillRef idx="0">
+            <a:schemeClr val="accent1"/>
+          </a:fillRef>
+          <a:effectRef idx="0">
+            <a:schemeClr val="accent1"/>
+          </a:effectRef>
+          <a:fontRef idx="minor">
+            <a:schemeClr val="tx1"/>
+          </a:fontRef>
+        </p:style>
+      </p:cxnSp>
+      <p:cxnSp>
+        <p:nvCxnSpPr>
+          <p:cNvPr id="6" name="Straight Arrow Connector 5"/>
+          <p:cNvCxnSpPr>
+            <a:stCxn id="34" idx="1"/>
+          </p:cNvCxnSpPr>
+          <p:nvPr/>
+        </p:nvCxnSpPr>
+        <p:spPr>
+          <a:xfrm flipH="1">
+            <a:off x="1556178" y="2997102"/>
+            <a:ext cx="2084929" cy="0"/>
+          </a:xfrm>
+          <a:prstGeom prst="straightConnector1">
+            <a:avLst/>
+          </a:prstGeom>
+          <a:ln w="9525">
+            <a:solidFill>
+              <a:schemeClr val="tx1"/>
+            </a:solidFill>
+            <a:tailEnd type="triangle"/>
+          </a:ln>
+        </p:spPr>
+        <p:style>
+          <a:lnRef idx="1">
+            <a:schemeClr val="accent1"/>
+          </a:lnRef>
+          <a:fillRef idx="0">
+            <a:schemeClr val="accent1"/>
+          </a:fillRef>
+          <a:effectRef idx="0">
+            <a:schemeClr val="accent1"/>
+          </a:effectRef>
+          <a:fontRef idx="minor">
+            <a:schemeClr val="tx1"/>
+          </a:fontRef>
+        </p:style>
+      </p:cxnSp>
+      <p:sp>
+        <p:nvSpPr>
+          <p:cNvPr id="29" name="TextBox 28"/>
+          <p:cNvSpPr txBox="1"/>
+          <p:nvPr/>
+        </p:nvSpPr>
+        <p:spPr>
+          <a:xfrm>
+            <a:off x="1544804" y="5737341"/>
+            <a:ext cx="1309269" cy="292388"/>
+          </a:xfrm>
+          <a:prstGeom prst="rect">
+            <a:avLst/>
+          </a:prstGeom>
+          <a:noFill/>
+        </p:spPr>
+        <p:txBody>
+          <a:bodyPr wrap="none" rtlCol="0">
+            <a:spAutoFit/>
+          </a:bodyPr>
+          <a:lstStyle/>
+          <a:p>
+            <a:r>
+              <a:rPr lang="de-CH" sz="1300" dirty="0" err="1" smtClean="0"/>
+              <a:t>Keypoint</a:t>
+            </a:r>
+            <a:r>
+              <a:rPr lang="de-CH" sz="1300" dirty="0" smtClean="0"/>
               <a:t> </a:t>
             </a:r>
             <a:r>
-              <a:rPr lang="de-CH" sz="1300" dirty="0" err="1"/>
-              <a:t>Keypoints</a:t>
+              <a:rPr lang="de-CH" sz="1300" dirty="0" err="1" smtClean="0"/>
+              <a:t>Tracker</a:t>
             </a:r>
             <a:endParaRPr lang="de-CH" sz="1300" dirty="0"/>
           </a:p>

--- a/latex/graphics/init_chart.pptx
+++ b/latex/graphics/init_chart.pptx
@@ -8,7 +8,7 @@
     <p:sldId id="256" r:id="rId2"/>
   </p:sldIdLst>
   <p:sldSz cx="6858000" cy="9906000" type="A4"/>
-  <p:notesSz cx="6858000" cy="9144000"/>
+  <p:notesSz cx="6669088" cy="9926638"/>
   <p:defaultTextStyle>
     <a:defPPr>
       <a:defRPr lang="de-DE"/>
@@ -3657,7 +3657,7 @@
         <p:spPr>
           <a:xfrm>
             <a:off x="3641107" y="2850908"/>
-            <a:ext cx="2419445" cy="292388"/>
+            <a:ext cx="1221296" cy="292388"/>
           </a:xfrm>
           <a:prstGeom prst="rect">
             <a:avLst/>
@@ -3676,8 +3676,13 @@
             </a:r>
             <a:r>
               <a:rPr lang="de-CH" sz="1300" dirty="0"/>
-              <a:t> Transformation Matrix</a:t>
-            </a:r>
+              <a:t> </a:t>
+            </a:r>
+            <a:r>
+              <a:rPr lang="de-CH" sz="1300" dirty="0" smtClean="0"/>
+              <a:t>Pose</a:t>
+            </a:r>
+            <a:endParaRPr lang="de-CH" sz="1300" dirty="0"/>
           </a:p>
         </p:txBody>
       </p:sp>
@@ -3759,7 +3764,7 @@
         <p:spPr>
           <a:xfrm>
             <a:off x="3701307" y="4677852"/>
-            <a:ext cx="2259914" cy="492443"/>
+            <a:ext cx="1478738" cy="530915"/>
           </a:xfrm>
           <a:prstGeom prst="rect">
             <a:avLst/>
@@ -3772,14 +3777,24 @@
           </a:bodyPr>
           <a:lstStyle/>
           <a:p>
+            <a:pPr>
+              <a:spcAft>
+                <a:spcPts val="300"/>
+              </a:spcAft>
+            </a:pPr>
             <a:r>
               <a:rPr lang="de-CH" sz="1300" dirty="0" err="1"/>
               <a:t>Refined</a:t>
             </a:r>
             <a:r>
               <a:rPr lang="de-CH" sz="1300" dirty="0"/>
-              <a:t> Transformation Matrix</a:t>
-            </a:r>
+              <a:t> </a:t>
+            </a:r>
+            <a:r>
+              <a:rPr lang="de-CH" sz="1300" dirty="0" smtClean="0"/>
+              <a:t>Pose</a:t>
+            </a:r>
+            <a:endParaRPr lang="de-CH" sz="1300" dirty="0"/>
           </a:p>
           <a:p>
             <a:r>
@@ -3838,7 +3853,7 @@
         <p:spPr>
           <a:xfrm>
             <a:off x="3710851" y="5741365"/>
-            <a:ext cx="2762423" cy="692497"/>
+            <a:ext cx="2762423" cy="769441"/>
           </a:xfrm>
           <a:prstGeom prst="rect">
             <a:avLst/>
@@ -3851,6 +3866,11 @@
           </a:bodyPr>
           <a:lstStyle/>
           <a:p>
+            <a:pPr>
+              <a:spcAft>
+                <a:spcPts val="300"/>
+              </a:spcAft>
+            </a:pPr>
             <a:r>
               <a:rPr lang="de-CH" sz="1300" dirty="0" smtClean="0"/>
               <a:t>Transformation </a:t>
@@ -3882,23 +3902,32 @@
             <a:endParaRPr lang="de-CH" sz="1300" dirty="0"/>
           </a:p>
           <a:p>
+            <a:pPr>
+              <a:spcAft>
+                <a:spcPts val="300"/>
+              </a:spcAft>
+            </a:pPr>
+            <a:r>
+              <a:rPr lang="de-CH" sz="1300" dirty="0" smtClean="0"/>
+              <a:t>Initialisation </a:t>
+            </a:r>
             <a:r>
               <a:rPr lang="de-CH" sz="1300" dirty="0" err="1" smtClean="0"/>
-              <a:t>Initialisation</a:t>
+              <a:t>Keypoints</a:t>
             </a:r>
             <a:r>
               <a:rPr lang="de-CH" sz="1300" dirty="0" smtClean="0"/>
               <a:t> </a:t>
             </a:r>
+          </a:p>
+          <a:p>
+            <a:pPr>
+              <a:spcAft>
+                <a:spcPts val="300"/>
+              </a:spcAft>
+            </a:pPr>
             <a:r>
               <a:rPr lang="de-CH" sz="1300" dirty="0" err="1" smtClean="0"/>
-              <a:t>Keypoints</a:t>
-            </a:r>
-            <a:endParaRPr lang="de-CH" sz="1300" dirty="0"/>
-          </a:p>
-          <a:p>
-            <a:r>
-              <a:rPr lang="de-CH" sz="1300" dirty="0" err="1"/>
               <a:t>a</a:t>
             </a:r>
             <a:r>
@@ -4026,13 +4055,15 @@
       <p:cxnSp>
         <p:nvCxnSpPr>
           <p:cNvPr id="26" name="Straight Arrow Connector 25"/>
-          <p:cNvCxnSpPr/>
+          <p:cNvCxnSpPr>
+            <a:stCxn id="21" idx="2"/>
+          </p:cNvCxnSpPr>
           <p:nvPr/>
         </p:nvCxnSpPr>
         <p:spPr>
-          <a:xfrm>
-            <a:off x="1544804" y="5045233"/>
-            <a:ext cx="0" cy="1585153"/>
+          <a:xfrm flipH="1">
+            <a:off x="1544804" y="5100201"/>
+            <a:ext cx="11374" cy="1530185"/>
           </a:xfrm>
           <a:prstGeom prst="straightConnector1">
             <a:avLst/>
@@ -4069,8 +4100,8 @@
         </p:nvCxnSpPr>
         <p:spPr>
           <a:xfrm flipH="1">
-            <a:off x="1556178" y="2997102"/>
-            <a:ext cx="2084929" cy="0"/>
+            <a:off x="1556179" y="2997102"/>
+            <a:ext cx="2084928" cy="0"/>
           </a:xfrm>
           <a:prstGeom prst="straightConnector1">
             <a:avLst/>
